--- a/PPT/DeepLearning07-TensorFlow.pptx
+++ b/PPT/DeepLearning07-TensorFlow.pptx
@@ -5,30 +5,16 @@
     <p:sldMasterId id="2147483653" r:id="rId1"/>
   </p:sldMasterIdLst>
   <p:notesMasterIdLst>
-    <p:notesMasterId r:id="rId20"/>
+    <p:notesMasterId r:id="rId6"/>
   </p:notesMasterIdLst>
   <p:handoutMasterIdLst>
-    <p:handoutMasterId r:id="rId21"/>
+    <p:handoutMasterId r:id="rId7"/>
   </p:handoutMasterIdLst>
   <p:sldIdLst>
     <p:sldId id="264" r:id="rId2"/>
     <p:sldId id="265" r:id="rId3"/>
     <p:sldId id="266" r:id="rId4"/>
     <p:sldId id="267" r:id="rId5"/>
-    <p:sldId id="282" r:id="rId6"/>
-    <p:sldId id="283" r:id="rId7"/>
-    <p:sldId id="284" r:id="rId8"/>
-    <p:sldId id="285" r:id="rId9"/>
-    <p:sldId id="286" r:id="rId10"/>
-    <p:sldId id="268" r:id="rId11"/>
-    <p:sldId id="269" r:id="rId12"/>
-    <p:sldId id="272" r:id="rId13"/>
-    <p:sldId id="273" r:id="rId14"/>
-    <p:sldId id="274" r:id="rId15"/>
-    <p:sldId id="271" r:id="rId16"/>
-    <p:sldId id="292" r:id="rId17"/>
-    <p:sldId id="288" r:id="rId18"/>
-    <p:sldId id="290" r:id="rId19"/>
   </p:sldIdLst>
   <p:sldSz cx="9144000" cy="6858000" type="screen4x3"/>
   <p:notesSz cx="6648450" cy="9782175"/>
@@ -3792,1355 +3778,6 @@
 </p:sld>
 </file>
 
-<file path=ppt/slides/slide10.xml><?xml version="1.0" encoding="utf-8"?>
-<p:sld xmlns:a="http://schemas.openxmlformats.org/drawingml/2006/main" xmlns:r="http://schemas.openxmlformats.org/officeDocument/2006/relationships" xmlns:p="http://schemas.openxmlformats.org/presentationml/2006/main">
-  <p:cSld>
-    <p:spTree>
-      <p:nvGrpSpPr>
-        <p:cNvPr id="1" name=""/>
-        <p:cNvGrpSpPr/>
-        <p:nvPr/>
-      </p:nvGrpSpPr>
-      <p:grpSpPr>
-        <a:xfrm>
-          <a:off x="0" y="0"/>
-          <a:ext cx="0" cy="0"/>
-          <a:chOff x="0" y="0"/>
-          <a:chExt cx="0" cy="0"/>
-        </a:xfrm>
-      </p:grpSpPr>
-      <p:sp>
-        <p:nvSpPr>
-          <p:cNvPr id="2" name="Titre 1"/>
-          <p:cNvSpPr>
-            <a:spLocks noGrp="1"/>
-          </p:cNvSpPr>
-          <p:nvPr>
-            <p:ph type="title"/>
-          </p:nvPr>
-        </p:nvSpPr>
-        <p:spPr/>
-        <p:txBody>
-          <a:bodyPr/>
-          <a:lstStyle/>
-          <a:p>
-            <a:r>
-              <a:rPr lang="fr-FR" dirty="0" err="1" smtClean="0"/>
-              <a:t>Tensor</a:t>
-            </a:r>
-            <a:endParaRPr lang="fr-FR" dirty="0"/>
-          </a:p>
-        </p:txBody>
-      </p:sp>
-      <p:sp>
-        <p:nvSpPr>
-          <p:cNvPr id="3" name="Espace réservé du contenu 2"/>
-          <p:cNvSpPr>
-            <a:spLocks noGrp="1"/>
-          </p:cNvSpPr>
-          <p:nvPr>
-            <p:ph idx="1"/>
-          </p:nvPr>
-        </p:nvSpPr>
-        <p:spPr/>
-        <p:txBody>
-          <a:bodyPr/>
-          <a:lstStyle/>
-          <a:p>
-            <a:r>
-              <a:rPr lang="fr-FR" dirty="0"/>
-              <a:t>En </a:t>
-            </a:r>
-            <a:r>
-              <a:rPr lang="fr-FR" dirty="0" smtClean="0"/>
-              <a:t>mathématiques </a:t>
-            </a:r>
-            <a:r>
-              <a:rPr lang="fr-FR" dirty="0"/>
-              <a:t>un tenseur désigne un objet très général, dont la valeur s'exprime dans un espace </a:t>
-            </a:r>
-            <a:r>
-              <a:rPr lang="fr-FR" dirty="0" smtClean="0"/>
-              <a:t>vectoriel</a:t>
-            </a:r>
-          </a:p>
-          <a:p>
-            <a:r>
-              <a:rPr lang="fr-FR" dirty="0" smtClean="0"/>
-              <a:t>Un tenseur est donc un scalaire, un vecteur, une matrice, un cube ou un </a:t>
-            </a:r>
-            <a:r>
-              <a:rPr lang="fr-FR" dirty="0" err="1" smtClean="0"/>
-              <a:t>narray</a:t>
-            </a:r>
-            <a:endParaRPr lang="fr-FR" dirty="0" smtClean="0"/>
-          </a:p>
-          <a:p>
-            <a:r>
-              <a:rPr lang="fr-FR" dirty="0" smtClean="0"/>
-              <a:t>Les opérateurs de base sont programmés sur ces tenseurs</a:t>
-            </a:r>
-          </a:p>
-          <a:p>
-            <a:endParaRPr lang="fr-FR" dirty="0"/>
-          </a:p>
-        </p:txBody>
-      </p:sp>
-    </p:spTree>
-    <p:extLst>
-      <p:ext uri="{BB962C8B-B14F-4D97-AF65-F5344CB8AC3E}">
-        <p14:creationId xmlns:p14="http://schemas.microsoft.com/office/powerpoint/2010/main" val="1527898111"/>
-      </p:ext>
-    </p:extLst>
-  </p:cSld>
-  <p:clrMapOvr>
-    <a:masterClrMapping/>
-  </p:clrMapOvr>
-  <p:timing>
-    <p:tnLst>
-      <p:par>
-        <p:cTn id="1" dur="indefinite" restart="never" nodeType="tmRoot"/>
-      </p:par>
-    </p:tnLst>
-  </p:timing>
-</p:sld>
-</file>
-
-<file path=ppt/slides/slide11.xml><?xml version="1.0" encoding="utf-8"?>
-<p:sld xmlns:a="http://schemas.openxmlformats.org/drawingml/2006/main" xmlns:r="http://schemas.openxmlformats.org/officeDocument/2006/relationships" xmlns:p="http://schemas.openxmlformats.org/presentationml/2006/main">
-  <p:cSld>
-    <p:spTree>
-      <p:nvGrpSpPr>
-        <p:cNvPr id="1" name=""/>
-        <p:cNvGrpSpPr/>
-        <p:nvPr/>
-      </p:nvGrpSpPr>
-      <p:grpSpPr>
-        <a:xfrm>
-          <a:off x="0" y="0"/>
-          <a:ext cx="0" cy="0"/>
-          <a:chOff x="0" y="0"/>
-          <a:chExt cx="0" cy="0"/>
-        </a:xfrm>
-      </p:grpSpPr>
-      <p:sp>
-        <p:nvSpPr>
-          <p:cNvPr id="2" name="Titre 1"/>
-          <p:cNvSpPr>
-            <a:spLocks noGrp="1"/>
-          </p:cNvSpPr>
-          <p:nvPr>
-            <p:ph type="title"/>
-          </p:nvPr>
-        </p:nvSpPr>
-        <p:spPr/>
-        <p:txBody>
-          <a:bodyPr/>
-          <a:lstStyle/>
-          <a:p>
-            <a:r>
-              <a:rPr lang="fr-FR" dirty="0" smtClean="0"/>
-              <a:t>Exemple de tenseur</a:t>
-            </a:r>
-            <a:endParaRPr lang="fr-FR" dirty="0"/>
-          </a:p>
-        </p:txBody>
-      </p:sp>
-      <p:sp>
-        <p:nvSpPr>
-          <p:cNvPr id="3" name="Espace réservé du contenu 2"/>
-          <p:cNvSpPr>
-            <a:spLocks noGrp="1"/>
-          </p:cNvSpPr>
-          <p:nvPr>
-            <p:ph idx="1"/>
-          </p:nvPr>
-        </p:nvSpPr>
-        <p:spPr/>
-        <p:txBody>
-          <a:bodyPr/>
-          <a:lstStyle/>
-          <a:p>
-            <a:r>
-              <a:rPr lang="fr-FR" sz="2400" dirty="0" smtClean="0"/>
-              <a:t>Un scalaire</a:t>
-            </a:r>
-          </a:p>
-          <a:p>
-            <a:pPr lvl="1"/>
-            <a:r>
-              <a:rPr lang="fr-FR" sz="2000" dirty="0" smtClean="0"/>
-              <a:t>s = </a:t>
-            </a:r>
-            <a:r>
-              <a:rPr lang="fr-FR" sz="2000" dirty="0" err="1" smtClean="0"/>
-              <a:t>tf.constant</a:t>
-            </a:r>
-            <a:r>
-              <a:rPr lang="fr-FR" sz="2000" dirty="0" smtClean="0"/>
-              <a:t>(3.14)</a:t>
-            </a:r>
-          </a:p>
-          <a:p>
-            <a:r>
-              <a:rPr lang="fr-FR" sz="2400" dirty="0" smtClean="0"/>
-              <a:t>Un vecteur</a:t>
-            </a:r>
-          </a:p>
-          <a:p>
-            <a:pPr lvl="1"/>
-            <a:r>
-              <a:rPr lang="fr-FR" sz="2000" dirty="0" smtClean="0"/>
-              <a:t>v = </a:t>
-            </a:r>
-            <a:r>
-              <a:rPr lang="fr-FR" sz="2000" dirty="0" err="1" smtClean="0"/>
-              <a:t>tf.constant</a:t>
-            </a:r>
-            <a:r>
-              <a:rPr lang="fr-FR" sz="2000" dirty="0" smtClean="0"/>
-              <a:t>([1,2])</a:t>
-            </a:r>
-          </a:p>
-          <a:p>
-            <a:r>
-              <a:rPr lang="fr-FR" sz="2400" dirty="0" smtClean="0"/>
-              <a:t>Une matrice</a:t>
-            </a:r>
-          </a:p>
-          <a:p>
-            <a:pPr lvl="1"/>
-            <a:r>
-              <a:rPr lang="fr-FR" sz="2000" dirty="0" smtClean="0"/>
-              <a:t>m = </a:t>
-            </a:r>
-            <a:r>
-              <a:rPr lang="fr-FR" sz="2000" dirty="0" err="1" smtClean="0"/>
-              <a:t>tf.constant</a:t>
-            </a:r>
-            <a:r>
-              <a:rPr lang="fr-FR" sz="2000" dirty="0" smtClean="0"/>
-              <a:t>([[1,2],[3,4]])</a:t>
-            </a:r>
-          </a:p>
-          <a:p>
-            <a:r>
-              <a:rPr lang="fr-FR" sz="2400" dirty="0" smtClean="0"/>
-              <a:t>Les tenseurs TF sont de type </a:t>
-            </a:r>
-            <a:r>
-              <a:rPr lang="fr-FR" sz="2400" dirty="0" err="1" smtClean="0"/>
-              <a:t>Tensor</a:t>
-            </a:r>
-            <a:endParaRPr lang="fr-FR" sz="2400" dirty="0" smtClean="0"/>
-          </a:p>
-          <a:p>
-            <a:r>
-              <a:rPr lang="fr-FR" sz="2400" dirty="0" smtClean="0"/>
-              <a:t>Les tenseurs TF ne sont pas compatibles avec les listes Python, ni les tableaux </a:t>
-            </a:r>
-            <a:r>
-              <a:rPr lang="fr-FR" sz="2400" dirty="0" err="1" smtClean="0"/>
-              <a:t>numpy</a:t>
-            </a:r>
-            <a:r>
-              <a:rPr lang="fr-FR" sz="2400" dirty="0" smtClean="0"/>
-              <a:t>, ni les </a:t>
-            </a:r>
-            <a:r>
-              <a:rPr lang="fr-FR" sz="2400" dirty="0" err="1" smtClean="0"/>
-              <a:t>DataFrame</a:t>
-            </a:r>
-            <a:r>
-              <a:rPr lang="fr-FR" sz="2400" dirty="0" smtClean="0"/>
-              <a:t> Pandas</a:t>
-            </a:r>
-          </a:p>
-          <a:p>
-            <a:pPr lvl="1"/>
-            <a:r>
-              <a:rPr lang="fr-FR" sz="2000" dirty="0" smtClean="0"/>
-              <a:t>Pour les créer il faut passer par un constructeur (constant)</a:t>
-            </a:r>
-          </a:p>
-        </p:txBody>
-      </p:sp>
-    </p:spTree>
-    <p:extLst>
-      <p:ext uri="{BB962C8B-B14F-4D97-AF65-F5344CB8AC3E}">
-        <p14:creationId xmlns:p14="http://schemas.microsoft.com/office/powerpoint/2010/main" val="797299466"/>
-      </p:ext>
-    </p:extLst>
-  </p:cSld>
-  <p:clrMapOvr>
-    <a:masterClrMapping/>
-  </p:clrMapOvr>
-  <p:timing>
-    <p:tnLst>
-      <p:par>
-        <p:cTn id="1" dur="indefinite" restart="never" nodeType="tmRoot"/>
-      </p:par>
-    </p:tnLst>
-  </p:timing>
-</p:sld>
-</file>
-
-<file path=ppt/slides/slide12.xml><?xml version="1.0" encoding="utf-8"?>
-<p:sld xmlns:a="http://schemas.openxmlformats.org/drawingml/2006/main" xmlns:r="http://schemas.openxmlformats.org/officeDocument/2006/relationships" xmlns:p="http://schemas.openxmlformats.org/presentationml/2006/main">
-  <p:cSld>
-    <p:spTree>
-      <p:nvGrpSpPr>
-        <p:cNvPr id="1" name=""/>
-        <p:cNvGrpSpPr/>
-        <p:nvPr/>
-      </p:nvGrpSpPr>
-      <p:grpSpPr>
-        <a:xfrm>
-          <a:off x="0" y="0"/>
-          <a:ext cx="0" cy="0"/>
-          <a:chOff x="0" y="0"/>
-          <a:chExt cx="0" cy="0"/>
-        </a:xfrm>
-      </p:grpSpPr>
-      <p:sp>
-        <p:nvSpPr>
-          <p:cNvPr id="2" name="Titre 1"/>
-          <p:cNvSpPr>
-            <a:spLocks noGrp="1"/>
-          </p:cNvSpPr>
-          <p:nvPr>
-            <p:ph type="title"/>
-          </p:nvPr>
-        </p:nvSpPr>
-        <p:spPr/>
-        <p:txBody>
-          <a:bodyPr/>
-          <a:lstStyle/>
-          <a:p>
-            <a:r>
-              <a:rPr lang="fr-FR" dirty="0" smtClean="0"/>
-              <a:t>Algèbre linéaire</a:t>
-            </a:r>
-            <a:endParaRPr lang="fr-FR" dirty="0"/>
-          </a:p>
-        </p:txBody>
-      </p:sp>
-      <p:sp>
-        <p:nvSpPr>
-          <p:cNvPr id="3" name="Espace réservé du contenu 2"/>
-          <p:cNvSpPr>
-            <a:spLocks noGrp="1"/>
-          </p:cNvSpPr>
-          <p:nvPr>
-            <p:ph idx="1"/>
-          </p:nvPr>
-        </p:nvSpPr>
-        <p:spPr/>
-        <p:txBody>
-          <a:bodyPr/>
-          <a:lstStyle/>
-          <a:p>
-            <a:r>
-              <a:rPr lang="fr-FR" dirty="0" smtClean="0"/>
-              <a:t>Les concepts de base de l'algèbre sont implémentés dans TF</a:t>
-            </a:r>
-          </a:p>
-          <a:p>
-            <a:r>
-              <a:rPr lang="fr-FR" dirty="0" smtClean="0"/>
-              <a:t>Dans les opérateurs de base</a:t>
-            </a:r>
-          </a:p>
-          <a:p>
-            <a:pPr lvl="1"/>
-            <a:r>
-              <a:rPr lang="fr-FR" dirty="0" smtClean="0"/>
-              <a:t>c = a + b</a:t>
-            </a:r>
-          </a:p>
-          <a:p>
-            <a:r>
-              <a:rPr lang="fr-FR" dirty="0" smtClean="0"/>
-              <a:t>Dans des fonctions</a:t>
-            </a:r>
-          </a:p>
-          <a:p>
-            <a:pPr lvl="1"/>
-            <a:r>
-              <a:rPr lang="fr-FR" dirty="0" smtClean="0"/>
-              <a:t>m3 = </a:t>
-            </a:r>
-            <a:r>
-              <a:rPr lang="fr-FR" dirty="0" err="1" smtClean="0"/>
-              <a:t>tf.matmul</a:t>
-            </a:r>
-            <a:r>
-              <a:rPr lang="fr-FR" dirty="0" smtClean="0"/>
-              <a:t>(m1, m2)</a:t>
-            </a:r>
-            <a:endParaRPr lang="fr-FR" dirty="0"/>
-          </a:p>
-        </p:txBody>
-      </p:sp>
-    </p:spTree>
-    <p:extLst>
-      <p:ext uri="{BB962C8B-B14F-4D97-AF65-F5344CB8AC3E}">
-        <p14:creationId xmlns:p14="http://schemas.microsoft.com/office/powerpoint/2010/main" val="2508858831"/>
-      </p:ext>
-    </p:extLst>
-  </p:cSld>
-  <p:clrMapOvr>
-    <a:masterClrMapping/>
-  </p:clrMapOvr>
-  <p:timing>
-    <p:tnLst>
-      <p:par>
-        <p:cTn id="1" dur="indefinite" restart="never" nodeType="tmRoot"/>
-      </p:par>
-    </p:tnLst>
-  </p:timing>
-</p:sld>
-</file>
-
-<file path=ppt/slides/slide13.xml><?xml version="1.0" encoding="utf-8"?>
-<p:sld xmlns:a="http://schemas.openxmlformats.org/drawingml/2006/main" xmlns:r="http://schemas.openxmlformats.org/officeDocument/2006/relationships" xmlns:p="http://schemas.openxmlformats.org/presentationml/2006/main">
-  <p:cSld>
-    <p:spTree>
-      <p:nvGrpSpPr>
-        <p:cNvPr id="1" name=""/>
-        <p:cNvGrpSpPr/>
-        <p:nvPr/>
-      </p:nvGrpSpPr>
-      <p:grpSpPr>
-        <a:xfrm>
-          <a:off x="0" y="0"/>
-          <a:ext cx="0" cy="0"/>
-          <a:chOff x="0" y="0"/>
-          <a:chExt cx="0" cy="0"/>
-        </a:xfrm>
-      </p:grpSpPr>
-      <p:sp>
-        <p:nvSpPr>
-          <p:cNvPr id="2" name="Titre 1"/>
-          <p:cNvSpPr>
-            <a:spLocks noGrp="1"/>
-          </p:cNvSpPr>
-          <p:nvPr>
-            <p:ph type="title"/>
-          </p:nvPr>
-        </p:nvSpPr>
-        <p:spPr/>
-        <p:txBody>
-          <a:bodyPr/>
-          <a:lstStyle/>
-          <a:p>
-            <a:r>
-              <a:rPr lang="fr-FR" dirty="0" smtClean="0"/>
-              <a:t>Trigonométrie</a:t>
-            </a:r>
-            <a:endParaRPr lang="fr-FR" dirty="0"/>
-          </a:p>
-        </p:txBody>
-      </p:sp>
-      <p:sp>
-        <p:nvSpPr>
-          <p:cNvPr id="3" name="Espace réservé du contenu 2"/>
-          <p:cNvSpPr>
-            <a:spLocks noGrp="1"/>
-          </p:cNvSpPr>
-          <p:nvPr>
-            <p:ph idx="1"/>
-          </p:nvPr>
-        </p:nvSpPr>
-        <p:spPr/>
-        <p:txBody>
-          <a:bodyPr/>
-          <a:lstStyle/>
-          <a:p>
-            <a:r>
-              <a:rPr lang="fr-FR" dirty="0" smtClean="0"/>
-              <a:t>Le module </a:t>
-            </a:r>
-            <a:r>
-              <a:rPr lang="fr-FR" dirty="0" err="1" smtClean="0"/>
-              <a:t>tf.math</a:t>
-            </a:r>
-            <a:r>
-              <a:rPr lang="fr-FR" dirty="0" smtClean="0"/>
-              <a:t> possède de nombreuses fonction trigonométrique</a:t>
-            </a:r>
-          </a:p>
-          <a:p>
-            <a:pPr lvl="1"/>
-            <a:r>
-              <a:rPr lang="fr-FR" dirty="0" smtClean="0"/>
-              <a:t>Attention TF est moins généraliste que </a:t>
-            </a:r>
-            <a:r>
-              <a:rPr lang="fr-FR" dirty="0" err="1" smtClean="0"/>
-              <a:t>Numpy</a:t>
-            </a:r>
-            <a:endParaRPr lang="fr-FR" dirty="0" smtClean="0"/>
-          </a:p>
-          <a:p>
-            <a:pPr lvl="1"/>
-            <a:r>
-              <a:rPr lang="fr-FR" dirty="0" smtClean="0"/>
-              <a:t>Il ne sait faire que de l'algèbre linéaire et de la trigonométrie</a:t>
-            </a:r>
-          </a:p>
-          <a:p>
-            <a:pPr lvl="1"/>
-            <a:endParaRPr lang="fr-FR" dirty="0"/>
-          </a:p>
-        </p:txBody>
-      </p:sp>
-    </p:spTree>
-    <p:extLst>
-      <p:ext uri="{BB962C8B-B14F-4D97-AF65-F5344CB8AC3E}">
-        <p14:creationId xmlns:p14="http://schemas.microsoft.com/office/powerpoint/2010/main" val="3626960860"/>
-      </p:ext>
-    </p:extLst>
-  </p:cSld>
-  <p:clrMapOvr>
-    <a:masterClrMapping/>
-  </p:clrMapOvr>
-  <p:timing>
-    <p:tnLst>
-      <p:par>
-        <p:cTn id="1" dur="indefinite" restart="never" nodeType="tmRoot"/>
-      </p:par>
-    </p:tnLst>
-  </p:timing>
-</p:sld>
-</file>
-
-<file path=ppt/slides/slide14.xml><?xml version="1.0" encoding="utf-8"?>
-<p:sld xmlns:a="http://schemas.openxmlformats.org/drawingml/2006/main" xmlns:r="http://schemas.openxmlformats.org/officeDocument/2006/relationships" xmlns:p="http://schemas.openxmlformats.org/presentationml/2006/main">
-  <p:cSld>
-    <p:spTree>
-      <p:nvGrpSpPr>
-        <p:cNvPr id="1" name=""/>
-        <p:cNvGrpSpPr/>
-        <p:nvPr/>
-      </p:nvGrpSpPr>
-      <p:grpSpPr>
-        <a:xfrm>
-          <a:off x="0" y="0"/>
-          <a:ext cx="0" cy="0"/>
-          <a:chOff x="0" y="0"/>
-          <a:chExt cx="0" cy="0"/>
-        </a:xfrm>
-      </p:grpSpPr>
-      <p:sp>
-        <p:nvSpPr>
-          <p:cNvPr id="2" name="Titre 1"/>
-          <p:cNvSpPr>
-            <a:spLocks noGrp="1"/>
-          </p:cNvSpPr>
-          <p:nvPr>
-            <p:ph type="title"/>
-          </p:nvPr>
-        </p:nvSpPr>
-        <p:spPr/>
-        <p:txBody>
-          <a:bodyPr/>
-          <a:lstStyle/>
-          <a:p>
-            <a:r>
-              <a:rPr lang="fr-FR" dirty="0" smtClean="0"/>
-              <a:t>Polymorphisme</a:t>
-            </a:r>
-            <a:endParaRPr lang="fr-FR" dirty="0"/>
-          </a:p>
-        </p:txBody>
-      </p:sp>
-      <p:sp>
-        <p:nvSpPr>
-          <p:cNvPr id="3" name="Espace réservé du contenu 2"/>
-          <p:cNvSpPr>
-            <a:spLocks noGrp="1"/>
-          </p:cNvSpPr>
-          <p:nvPr>
-            <p:ph idx="1"/>
-          </p:nvPr>
-        </p:nvSpPr>
-        <p:spPr/>
-        <p:txBody>
-          <a:bodyPr/>
-          <a:lstStyle/>
-          <a:p>
-            <a:r>
-              <a:rPr lang="fr-FR" dirty="0" smtClean="0"/>
-              <a:t>Les opérateurs et fonctions Python sont polymorphes</a:t>
-            </a:r>
-          </a:p>
-          <a:p>
-            <a:r>
-              <a:rPr lang="fr-FR" dirty="0" smtClean="0"/>
-              <a:t>c = a * b</a:t>
-            </a:r>
-          </a:p>
-          <a:p>
-            <a:pPr lvl="1"/>
-            <a:r>
-              <a:rPr lang="fr-FR" dirty="0" smtClean="0"/>
-              <a:t>Donne un résultat différent en fonction du la forme du tenseur</a:t>
-            </a:r>
-          </a:p>
-          <a:p>
-            <a:pPr lvl="1"/>
-            <a:r>
-              <a:rPr lang="fr-FR" dirty="0" smtClean="0"/>
-              <a:t>Les fonctions sont donc pilotées par le </a:t>
-            </a:r>
-            <a:r>
-              <a:rPr lang="fr-FR" dirty="0" err="1" smtClean="0"/>
-              <a:t>shape</a:t>
-            </a:r>
-            <a:r>
-              <a:rPr lang="fr-FR" dirty="0" smtClean="0"/>
-              <a:t> du tenseur</a:t>
-            </a:r>
-            <a:endParaRPr lang="fr-FR" dirty="0"/>
-          </a:p>
-        </p:txBody>
-      </p:sp>
-    </p:spTree>
-    <p:extLst>
-      <p:ext uri="{BB962C8B-B14F-4D97-AF65-F5344CB8AC3E}">
-        <p14:creationId xmlns:p14="http://schemas.microsoft.com/office/powerpoint/2010/main" val="663416911"/>
-      </p:ext>
-    </p:extLst>
-  </p:cSld>
-  <p:clrMapOvr>
-    <a:masterClrMapping/>
-  </p:clrMapOvr>
-  <p:timing>
-    <p:tnLst>
-      <p:par>
-        <p:cTn id="1" dur="indefinite" restart="never" nodeType="tmRoot"/>
-      </p:par>
-    </p:tnLst>
-  </p:timing>
-</p:sld>
-</file>
-
-<file path=ppt/slides/slide15.xml><?xml version="1.0" encoding="utf-8"?>
-<p:sld xmlns:a="http://schemas.openxmlformats.org/drawingml/2006/main" xmlns:r="http://schemas.openxmlformats.org/officeDocument/2006/relationships" xmlns:p="http://schemas.openxmlformats.org/presentationml/2006/main">
-  <p:cSld>
-    <p:spTree>
-      <p:nvGrpSpPr>
-        <p:cNvPr id="1" name=""/>
-        <p:cNvGrpSpPr/>
-        <p:nvPr/>
-      </p:nvGrpSpPr>
-      <p:grpSpPr>
-        <a:xfrm>
-          <a:off x="0" y="0"/>
-          <a:ext cx="0" cy="0"/>
-          <a:chOff x="0" y="0"/>
-          <a:chExt cx="0" cy="0"/>
-        </a:xfrm>
-      </p:grpSpPr>
-      <p:sp>
-        <p:nvSpPr>
-          <p:cNvPr id="2" name="Titre 1"/>
-          <p:cNvSpPr>
-            <a:spLocks noGrp="1"/>
-          </p:cNvSpPr>
-          <p:nvPr>
-            <p:ph type="title"/>
-          </p:nvPr>
-        </p:nvSpPr>
-        <p:spPr/>
-        <p:txBody>
-          <a:bodyPr/>
-          <a:lstStyle/>
-          <a:p>
-            <a:r>
-              <a:rPr lang="fr-FR" dirty="0" smtClean="0"/>
-              <a:t>Graphes et Sessions</a:t>
-            </a:r>
-            <a:endParaRPr lang="fr-FR" dirty="0"/>
-          </a:p>
-        </p:txBody>
-      </p:sp>
-      <p:sp>
-        <p:nvSpPr>
-          <p:cNvPr id="3" name="Espace réservé du contenu 2"/>
-          <p:cNvSpPr>
-            <a:spLocks noGrp="1"/>
-          </p:cNvSpPr>
-          <p:nvPr>
-            <p:ph idx="1"/>
-          </p:nvPr>
-        </p:nvSpPr>
-        <p:spPr/>
-        <p:txBody>
-          <a:bodyPr/>
-          <a:lstStyle/>
-          <a:p>
-            <a:r>
-              <a:rPr lang="fr-FR" dirty="0" smtClean="0"/>
-              <a:t>TF va convertir le calcul en un graphe d'objets</a:t>
-            </a:r>
-          </a:p>
-          <a:p>
-            <a:r>
-              <a:rPr lang="fr-FR" dirty="0" smtClean="0"/>
-              <a:t>Chaque nœud est un calcul sur des tenseurs</a:t>
-            </a:r>
-          </a:p>
-          <a:p>
-            <a:r>
-              <a:rPr lang="fr-FR" dirty="0" smtClean="0"/>
-              <a:t>La résolution du graphe peut être CPU ou GPU</a:t>
-            </a:r>
-          </a:p>
-          <a:p>
-            <a:r>
-              <a:rPr lang="fr-FR" dirty="0" smtClean="0"/>
-              <a:t>Le graphe va ensuite être répartie sur des </a:t>
-            </a:r>
-            <a:r>
-              <a:rPr lang="fr-FR" dirty="0" err="1" smtClean="0"/>
-              <a:t>Core</a:t>
-            </a:r>
-            <a:r>
-              <a:rPr lang="fr-FR" dirty="0" smtClean="0"/>
-              <a:t> grâce à l'algèbre linéaire</a:t>
-            </a:r>
-          </a:p>
-          <a:p>
-            <a:pPr lvl="1"/>
-            <a:r>
-              <a:rPr lang="fr-FR" dirty="0" err="1" smtClean="0"/>
-              <a:t>Map</a:t>
-            </a:r>
-            <a:r>
-              <a:rPr lang="fr-FR" dirty="0" smtClean="0"/>
-              <a:t> </a:t>
-            </a:r>
-            <a:r>
-              <a:rPr lang="fr-FR" dirty="0" err="1" smtClean="0"/>
-              <a:t>Reduce</a:t>
-            </a:r>
-            <a:r>
-              <a:rPr lang="fr-FR" dirty="0" smtClean="0"/>
-              <a:t> </a:t>
-            </a:r>
-            <a:r>
-              <a:rPr lang="fr-FR" dirty="0" err="1" smtClean="0"/>
-              <a:t>Yield</a:t>
-            </a:r>
-            <a:endParaRPr lang="fr-FR" dirty="0" smtClean="0"/>
-          </a:p>
-          <a:p>
-            <a:r>
-              <a:rPr lang="fr-FR" dirty="0" smtClean="0"/>
-              <a:t>Exemple</a:t>
-            </a:r>
-          </a:p>
-          <a:p>
-            <a:r>
-              <a:rPr lang="fr-FR" dirty="0" err="1"/>
-              <a:t>sess</a:t>
-            </a:r>
-            <a:r>
-              <a:rPr lang="fr-FR" dirty="0"/>
-              <a:t> = </a:t>
-            </a:r>
-            <a:r>
-              <a:rPr lang="fr-FR" dirty="0" err="1"/>
-              <a:t>tf.Session</a:t>
-            </a:r>
-            <a:r>
-              <a:rPr lang="fr-FR" dirty="0" smtClean="0"/>
-              <a:t>() # Création du graphe</a:t>
-            </a:r>
-            <a:endParaRPr lang="fr-FR" dirty="0"/>
-          </a:p>
-          <a:p>
-            <a:r>
-              <a:rPr lang="fr-FR" dirty="0" err="1"/>
-              <a:t>result</a:t>
-            </a:r>
-            <a:r>
-              <a:rPr lang="fr-FR" dirty="0"/>
-              <a:t> = </a:t>
-            </a:r>
-            <a:r>
-              <a:rPr lang="fr-FR" dirty="0" err="1" smtClean="0"/>
-              <a:t>sess.run</a:t>
-            </a:r>
-            <a:r>
-              <a:rPr lang="fr-FR" dirty="0" smtClean="0"/>
-              <a:t>(c) # Résolution du graphe</a:t>
-            </a:r>
-            <a:endParaRPr lang="fr-FR" dirty="0"/>
-          </a:p>
-        </p:txBody>
-      </p:sp>
-    </p:spTree>
-    <p:extLst>
-      <p:ext uri="{BB962C8B-B14F-4D97-AF65-F5344CB8AC3E}">
-        <p14:creationId xmlns:p14="http://schemas.microsoft.com/office/powerpoint/2010/main" val="1293094890"/>
-      </p:ext>
-    </p:extLst>
-  </p:cSld>
-  <p:clrMapOvr>
-    <a:masterClrMapping/>
-  </p:clrMapOvr>
-  <p:timing>
-    <p:tnLst>
-      <p:par>
-        <p:cTn id="1" dur="indefinite" restart="never" nodeType="tmRoot"/>
-      </p:par>
-    </p:tnLst>
-  </p:timing>
-</p:sld>
-</file>
-
-<file path=ppt/slides/slide16.xml><?xml version="1.0" encoding="utf-8"?>
-<p:sld xmlns:a="http://schemas.openxmlformats.org/drawingml/2006/main" xmlns:r="http://schemas.openxmlformats.org/officeDocument/2006/relationships" xmlns:p="http://schemas.openxmlformats.org/presentationml/2006/main">
-  <p:cSld>
-    <p:spTree>
-      <p:nvGrpSpPr>
-        <p:cNvPr id="1" name=""/>
-        <p:cNvGrpSpPr/>
-        <p:nvPr/>
-      </p:nvGrpSpPr>
-      <p:grpSpPr>
-        <a:xfrm>
-          <a:off x="0" y="0"/>
-          <a:ext cx="0" cy="0"/>
-          <a:chOff x="0" y="0"/>
-          <a:chExt cx="0" cy="0"/>
-        </a:xfrm>
-      </p:grpSpPr>
-      <p:sp>
-        <p:nvSpPr>
-          <p:cNvPr id="2" name="Titre 1"/>
-          <p:cNvSpPr>
-            <a:spLocks noGrp="1"/>
-          </p:cNvSpPr>
-          <p:nvPr>
-            <p:ph type="title"/>
-          </p:nvPr>
-        </p:nvSpPr>
-        <p:spPr/>
-        <p:txBody>
-          <a:bodyPr/>
-          <a:lstStyle/>
-          <a:p>
-            <a:r>
-              <a:rPr lang="fr-FR" dirty="0" err="1" smtClean="0"/>
-              <a:t>Map</a:t>
-            </a:r>
-            <a:r>
-              <a:rPr lang="fr-FR" dirty="0" smtClean="0"/>
-              <a:t> </a:t>
-            </a:r>
-            <a:r>
-              <a:rPr lang="fr-FR" dirty="0" err="1" smtClean="0"/>
-              <a:t>Reduce</a:t>
-            </a:r>
-            <a:endParaRPr lang="fr-FR" dirty="0"/>
-          </a:p>
-        </p:txBody>
-      </p:sp>
-      <p:sp>
-        <p:nvSpPr>
-          <p:cNvPr id="3" name="Espace réservé du contenu 2"/>
-          <p:cNvSpPr>
-            <a:spLocks noGrp="1"/>
-          </p:cNvSpPr>
-          <p:nvPr>
-            <p:ph idx="1"/>
-          </p:nvPr>
-        </p:nvSpPr>
-        <p:spPr/>
-        <p:txBody>
-          <a:bodyPr/>
-          <a:lstStyle/>
-          <a:p>
-            <a:r>
-              <a:rPr lang="fr-FR" dirty="0" smtClean="0"/>
-              <a:t>Google 2003</a:t>
-            </a:r>
-            <a:endParaRPr lang="fr-FR" dirty="0"/>
-          </a:p>
-        </p:txBody>
-      </p:sp>
-      <p:pic>
-        <p:nvPicPr>
-          <p:cNvPr id="1026" name="Picture 2" descr="https://upload.wikimedia.org/wikipedia/commons/thumb/6/6d/Mapreduce.png/500px-Mapreduce.png"/>
-          <p:cNvPicPr>
-            <a:picLocks noChangeAspect="1" noChangeArrowheads="1"/>
-          </p:cNvPicPr>
-          <p:nvPr/>
-        </p:nvPicPr>
-        <p:blipFill>
-          <a:blip r:embed="rId2">
-            <a:extLst>
-              <a:ext uri="{28A0092B-C50C-407E-A947-70E740481C1C}">
-                <a14:useLocalDpi xmlns:a14="http://schemas.microsoft.com/office/drawing/2010/main" val="0"/>
-              </a:ext>
-            </a:extLst>
-          </a:blip>
-          <a:srcRect/>
-          <a:stretch>
-            <a:fillRect/>
-          </a:stretch>
-        </p:blipFill>
-        <p:spPr bwMode="auto">
-          <a:xfrm>
-            <a:off x="1979712" y="2924944"/>
-            <a:ext cx="4762500" cy="1628776"/>
-          </a:xfrm>
-          <a:prstGeom prst="rect">
-            <a:avLst/>
-          </a:prstGeom>
-          <a:noFill/>
-          <a:extLst>
-            <a:ext uri="{909E8E84-426E-40DD-AFC4-6F175D3DCCD1}">
-              <a14:hiddenFill xmlns:a14="http://schemas.microsoft.com/office/drawing/2010/main">
-                <a:solidFill>
-                  <a:srgbClr val="FFFFFF"/>
-                </a:solidFill>
-              </a14:hiddenFill>
-            </a:ext>
-          </a:extLst>
-        </p:spPr>
-      </p:pic>
-    </p:spTree>
-    <p:extLst>
-      <p:ext uri="{BB962C8B-B14F-4D97-AF65-F5344CB8AC3E}">
-        <p14:creationId xmlns:p14="http://schemas.microsoft.com/office/powerpoint/2010/main" val="2652331053"/>
-      </p:ext>
-    </p:extLst>
-  </p:cSld>
-  <p:clrMapOvr>
-    <a:masterClrMapping/>
-  </p:clrMapOvr>
-  <p:timing>
-    <p:tnLst>
-      <p:par>
-        <p:cTn id="1" dur="indefinite" restart="never" nodeType="tmRoot"/>
-      </p:par>
-    </p:tnLst>
-  </p:timing>
-</p:sld>
-</file>
-
-<file path=ppt/slides/slide17.xml><?xml version="1.0" encoding="utf-8"?>
-<p:sld xmlns:a="http://schemas.openxmlformats.org/drawingml/2006/main" xmlns:r="http://schemas.openxmlformats.org/officeDocument/2006/relationships" xmlns:p="http://schemas.openxmlformats.org/presentationml/2006/main">
-  <p:cSld>
-    <p:spTree>
-      <p:nvGrpSpPr>
-        <p:cNvPr id="1" name=""/>
-        <p:cNvGrpSpPr/>
-        <p:nvPr/>
-      </p:nvGrpSpPr>
-      <p:grpSpPr>
-        <a:xfrm>
-          <a:off x="0" y="0"/>
-          <a:ext cx="0" cy="0"/>
-          <a:chOff x="0" y="0"/>
-          <a:chExt cx="0" cy="0"/>
-        </a:xfrm>
-      </p:grpSpPr>
-      <p:sp>
-        <p:nvSpPr>
-          <p:cNvPr id="2" name="Titre 1"/>
-          <p:cNvSpPr>
-            <a:spLocks noGrp="1"/>
-          </p:cNvSpPr>
-          <p:nvPr>
-            <p:ph type="title"/>
-          </p:nvPr>
-        </p:nvSpPr>
-        <p:spPr/>
-        <p:txBody>
-          <a:bodyPr/>
-          <a:lstStyle/>
-          <a:p>
-            <a:r>
-              <a:rPr lang="fr-FR" smtClean="0"/>
-              <a:t>Modèle DNN</a:t>
-            </a:r>
-            <a:endParaRPr lang="fr-FR"/>
-          </a:p>
-        </p:txBody>
-      </p:sp>
-      <p:sp>
-        <p:nvSpPr>
-          <p:cNvPr id="3" name="Espace réservé du contenu 2"/>
-          <p:cNvSpPr>
-            <a:spLocks noGrp="1"/>
-          </p:cNvSpPr>
-          <p:nvPr>
-            <p:ph idx="1"/>
-          </p:nvPr>
-        </p:nvSpPr>
-        <p:spPr/>
-        <p:txBody>
-          <a:bodyPr/>
-          <a:lstStyle/>
-          <a:p>
-            <a:r>
-              <a:rPr lang="fr-FR" dirty="0" err="1" smtClean="0"/>
-              <a:t>Deep</a:t>
-            </a:r>
-            <a:r>
-              <a:rPr lang="fr-FR" dirty="0" smtClean="0"/>
-              <a:t> Neural Network</a:t>
-            </a:r>
-          </a:p>
-          <a:p>
-            <a:r>
-              <a:rPr lang="fr-FR" dirty="0" smtClean="0"/>
-              <a:t>Les réseaux neuronaux sont implémentés dans les </a:t>
-            </a:r>
-            <a:r>
-              <a:rPr lang="fr-FR" dirty="0" err="1" smtClean="0"/>
-              <a:t>Estimator</a:t>
-            </a:r>
-            <a:r>
-              <a:rPr lang="fr-FR" dirty="0" smtClean="0"/>
-              <a:t> TF</a:t>
-            </a:r>
-          </a:p>
-          <a:p>
-            <a:pPr lvl="1"/>
-            <a:r>
-              <a:rPr lang="fr-FR" dirty="0" err="1" smtClean="0"/>
-              <a:t>DNNClassifier</a:t>
-            </a:r>
-            <a:endParaRPr lang="fr-FR" dirty="0" smtClean="0"/>
-          </a:p>
-          <a:p>
-            <a:pPr lvl="1"/>
-            <a:r>
-              <a:rPr lang="fr-FR" dirty="0" smtClean="0"/>
-              <a:t>Complexe</a:t>
-            </a:r>
-          </a:p>
-          <a:p>
-            <a:pPr lvl="1"/>
-            <a:endParaRPr lang="fr-FR" dirty="0"/>
-          </a:p>
-        </p:txBody>
-      </p:sp>
-      <p:pic>
-        <p:nvPicPr>
-          <p:cNvPr id="1026" name="Picture 2" descr="../_images/multilayerperceptron_network.png"/>
-          <p:cNvPicPr>
-            <a:picLocks noChangeAspect="1" noChangeArrowheads="1"/>
-          </p:cNvPicPr>
-          <p:nvPr/>
-        </p:nvPicPr>
-        <p:blipFill>
-          <a:blip r:embed="rId2">
-            <a:extLst>
-              <a:ext uri="{28A0092B-C50C-407E-A947-70E740481C1C}">
-                <a14:useLocalDpi xmlns:a14="http://schemas.microsoft.com/office/drawing/2010/main" val="0"/>
-              </a:ext>
-            </a:extLst>
-          </a:blip>
-          <a:srcRect/>
-          <a:stretch>
-            <a:fillRect/>
-          </a:stretch>
-        </p:blipFill>
-        <p:spPr bwMode="auto">
-          <a:xfrm>
-            <a:off x="3923928" y="2550470"/>
-            <a:ext cx="3600400" cy="3913079"/>
-          </a:xfrm>
-          <a:prstGeom prst="rect">
-            <a:avLst/>
-          </a:prstGeom>
-          <a:noFill/>
-          <a:extLst>
-            <a:ext uri="{909E8E84-426E-40DD-AFC4-6F175D3DCCD1}">
-              <a14:hiddenFill xmlns:a14="http://schemas.microsoft.com/office/drawing/2010/main">
-                <a:solidFill>
-                  <a:srgbClr val="FFFFFF"/>
-                </a:solidFill>
-              </a14:hiddenFill>
-            </a:ext>
-          </a:extLst>
-        </p:spPr>
-      </p:pic>
-    </p:spTree>
-    <p:extLst>
-      <p:ext uri="{BB962C8B-B14F-4D97-AF65-F5344CB8AC3E}">
-        <p14:creationId xmlns:p14="http://schemas.microsoft.com/office/powerpoint/2010/main" val="3193103598"/>
-      </p:ext>
-    </p:extLst>
-  </p:cSld>
-  <p:clrMapOvr>
-    <a:masterClrMapping/>
-  </p:clrMapOvr>
-  <p:timing>
-    <p:tnLst>
-      <p:par>
-        <p:cTn id="1" dur="indefinite" restart="never" nodeType="tmRoot"/>
-      </p:par>
-    </p:tnLst>
-  </p:timing>
-</p:sld>
-</file>
-
-<file path=ppt/slides/slide18.xml><?xml version="1.0" encoding="utf-8"?>
-<p:sld xmlns:a="http://schemas.openxmlformats.org/drawingml/2006/main" xmlns:r="http://schemas.openxmlformats.org/officeDocument/2006/relationships" xmlns:p="http://schemas.openxmlformats.org/presentationml/2006/main">
-  <p:cSld>
-    <p:spTree>
-      <p:nvGrpSpPr>
-        <p:cNvPr id="1" name=""/>
-        <p:cNvGrpSpPr/>
-        <p:nvPr/>
-      </p:nvGrpSpPr>
-      <p:grpSpPr>
-        <a:xfrm>
-          <a:off x="0" y="0"/>
-          <a:ext cx="0" cy="0"/>
-          <a:chOff x="0" y="0"/>
-          <a:chExt cx="0" cy="0"/>
-        </a:xfrm>
-      </p:grpSpPr>
-      <p:sp>
-        <p:nvSpPr>
-          <p:cNvPr id="2" name="Titre 1"/>
-          <p:cNvSpPr>
-            <a:spLocks noGrp="1"/>
-          </p:cNvSpPr>
-          <p:nvPr>
-            <p:ph type="title"/>
-          </p:nvPr>
-        </p:nvSpPr>
-        <p:spPr/>
-        <p:txBody>
-          <a:bodyPr/>
-          <a:lstStyle/>
-          <a:p>
-            <a:r>
-              <a:rPr lang="fr-FR" dirty="0" err="1" smtClean="0"/>
-              <a:t>DNNClassifier</a:t>
-            </a:r>
-            <a:endParaRPr lang="fr-FR" dirty="0"/>
-          </a:p>
-        </p:txBody>
-      </p:sp>
-      <p:sp>
-        <p:nvSpPr>
-          <p:cNvPr id="3" name="Espace réservé du contenu 2"/>
-          <p:cNvSpPr>
-            <a:spLocks noGrp="1"/>
-          </p:cNvSpPr>
-          <p:nvPr>
-            <p:ph idx="1"/>
-          </p:nvPr>
-        </p:nvSpPr>
-        <p:spPr/>
-        <p:txBody>
-          <a:bodyPr/>
-          <a:lstStyle/>
-          <a:p>
-            <a:pPr marL="0" indent="0">
-              <a:buNone/>
-            </a:pPr>
-            <a:r>
-              <a:rPr lang="fr-FR" dirty="0"/>
-              <a:t>classifier = </a:t>
-            </a:r>
-            <a:r>
-              <a:rPr lang="fr-FR" dirty="0" err="1"/>
-              <a:t>tf.estimator.DNNClassifier</a:t>
-            </a:r>
-            <a:r>
-              <a:rPr lang="fr-FR" dirty="0"/>
-              <a:t>(</a:t>
-            </a:r>
-          </a:p>
-          <a:p>
-            <a:pPr marL="0" indent="0">
-              <a:buNone/>
-            </a:pPr>
-            <a:r>
-              <a:rPr lang="fr-FR" dirty="0"/>
-              <a:t>    </a:t>
-            </a:r>
-            <a:r>
-              <a:rPr lang="fr-FR" dirty="0" err="1"/>
-              <a:t>feature_columns</a:t>
-            </a:r>
-            <a:r>
-              <a:rPr lang="fr-FR" dirty="0"/>
-              <a:t>=</a:t>
-            </a:r>
-            <a:r>
-              <a:rPr lang="fr-FR" dirty="0" err="1"/>
-              <a:t>feature_columns</a:t>
-            </a:r>
-            <a:r>
-              <a:rPr lang="fr-FR" dirty="0"/>
-              <a:t>,</a:t>
-            </a:r>
-          </a:p>
-          <a:p>
-            <a:pPr marL="0" indent="0">
-              <a:buNone/>
-            </a:pPr>
-            <a:r>
-              <a:rPr lang="fr-FR" dirty="0"/>
-              <a:t>    </a:t>
-            </a:r>
-            <a:r>
-              <a:rPr lang="fr-FR" dirty="0" err="1"/>
-              <a:t>hidden_units</a:t>
-            </a:r>
-            <a:r>
-              <a:rPr lang="fr-FR" dirty="0"/>
-              <a:t>=[256, 32],</a:t>
-            </a:r>
-          </a:p>
-          <a:p>
-            <a:pPr marL="0" indent="0">
-              <a:buNone/>
-            </a:pPr>
-            <a:r>
-              <a:rPr lang="fr-FR" dirty="0"/>
-              <a:t>    </a:t>
-            </a:r>
-            <a:r>
-              <a:rPr lang="fr-FR" dirty="0" err="1"/>
-              <a:t>optimizer</a:t>
-            </a:r>
-            <a:r>
-              <a:rPr lang="fr-FR" dirty="0"/>
-              <a:t>=</a:t>
-            </a:r>
-            <a:r>
-              <a:rPr lang="fr-FR" dirty="0" err="1"/>
-              <a:t>tf.train.AdamOptimizer</a:t>
-            </a:r>
-            <a:r>
-              <a:rPr lang="fr-FR" dirty="0"/>
-              <a:t>(1e-4),</a:t>
-            </a:r>
-          </a:p>
-          <a:p>
-            <a:pPr marL="0" indent="0">
-              <a:buNone/>
-            </a:pPr>
-            <a:r>
-              <a:rPr lang="fr-FR" dirty="0"/>
-              <a:t>    </a:t>
-            </a:r>
-            <a:r>
-              <a:rPr lang="fr-FR" dirty="0" err="1"/>
-              <a:t>n_classes</a:t>
-            </a:r>
-            <a:r>
-              <a:rPr lang="fr-FR" dirty="0"/>
-              <a:t>=10,</a:t>
-            </a:r>
-          </a:p>
-          <a:p>
-            <a:pPr marL="0" indent="0">
-              <a:buNone/>
-            </a:pPr>
-            <a:r>
-              <a:rPr lang="fr-FR" dirty="0" smtClean="0"/>
-              <a:t>)</a:t>
-            </a:r>
-          </a:p>
-          <a:p>
-            <a:r>
-              <a:rPr lang="fr-FR" dirty="0" smtClean="0"/>
-              <a:t>L'algorithme de </a:t>
-            </a:r>
-            <a:r>
-              <a:rPr lang="fr-FR" dirty="0" err="1" smtClean="0"/>
-              <a:t>backpropagation</a:t>
-            </a:r>
-            <a:r>
-              <a:rPr lang="fr-FR" dirty="0" smtClean="0"/>
-              <a:t> est externalisé dans un </a:t>
-            </a:r>
-            <a:r>
-              <a:rPr lang="fr-FR" dirty="0" err="1" smtClean="0"/>
-              <a:t>optimizer</a:t>
-            </a:r>
-            <a:endParaRPr lang="fr-FR" dirty="0" smtClean="0"/>
-          </a:p>
-          <a:p>
-            <a:pPr lvl="1"/>
-            <a:r>
-              <a:rPr lang="fr-FR" dirty="0" err="1" smtClean="0"/>
-              <a:t>AdamOptimizer</a:t>
-            </a:r>
-            <a:r>
-              <a:rPr lang="fr-FR" dirty="0" smtClean="0"/>
-              <a:t> = </a:t>
-            </a:r>
-            <a:r>
-              <a:rPr lang="fr-FR" dirty="0" err="1" smtClean="0"/>
-              <a:t>SKLearn</a:t>
-            </a:r>
-            <a:endParaRPr lang="fr-FR" dirty="0" smtClean="0"/>
-          </a:p>
-          <a:p>
-            <a:r>
-              <a:rPr lang="fr-FR" dirty="0" smtClean="0"/>
-              <a:t>Remplacé par </a:t>
-            </a:r>
-            <a:r>
-              <a:rPr lang="fr-FR" dirty="0" err="1" smtClean="0"/>
-              <a:t>Keras</a:t>
-            </a:r>
-            <a:r>
-              <a:rPr lang="fr-FR" dirty="0" smtClean="0"/>
-              <a:t> depuis </a:t>
-            </a:r>
-            <a:r>
-              <a:rPr lang="fr-FR" dirty="0" err="1" smtClean="0"/>
-              <a:t>Tensorflow</a:t>
-            </a:r>
-            <a:r>
-              <a:rPr lang="fr-FR" dirty="0" smtClean="0"/>
-              <a:t> 2</a:t>
-            </a:r>
-          </a:p>
-          <a:p>
-            <a:pPr lvl="1"/>
-            <a:endParaRPr lang="fr-FR" dirty="0"/>
-          </a:p>
-        </p:txBody>
-      </p:sp>
-    </p:spTree>
-    <p:extLst>
-      <p:ext uri="{BB962C8B-B14F-4D97-AF65-F5344CB8AC3E}">
-        <p14:creationId xmlns:p14="http://schemas.microsoft.com/office/powerpoint/2010/main" val="2330559544"/>
-      </p:ext>
-    </p:extLst>
-  </p:cSld>
-  <p:clrMapOvr>
-    <a:masterClrMapping/>
-  </p:clrMapOvr>
-  <p:timing>
-    <p:tnLst>
-      <p:par>
-        <p:cTn id="1" dur="indefinite" restart="never" nodeType="tmRoot"/>
-      </p:par>
-    </p:tnLst>
-  </p:timing>
-</p:sld>
-</file>
-
 <file path=ppt/slides/slide2.xml><?xml version="1.0" encoding="utf-8"?>
 <p:sld xmlns:a="http://schemas.openxmlformats.org/drawingml/2006/main" xmlns:r="http://schemas.openxmlformats.org/officeDocument/2006/relationships" xmlns:p="http://schemas.openxmlformats.org/presentationml/2006/main">
   <p:cSld>
@@ -5578,839 +4215,6 @@
     <p:extLst>
       <p:ext uri="{BB962C8B-B14F-4D97-AF65-F5344CB8AC3E}">
         <p14:creationId xmlns:p14="http://schemas.microsoft.com/office/powerpoint/2010/main" val="833785197"/>
-      </p:ext>
-    </p:extLst>
-  </p:cSld>
-  <p:clrMapOvr>
-    <a:masterClrMapping/>
-  </p:clrMapOvr>
-  <p:timing>
-    <p:tnLst>
-      <p:par>
-        <p:cTn id="1" dur="indefinite" restart="never" nodeType="tmRoot"/>
-      </p:par>
-    </p:tnLst>
-  </p:timing>
-</p:sld>
-</file>
-
-<file path=ppt/slides/slide5.xml><?xml version="1.0" encoding="utf-8"?>
-<p:sld xmlns:a="http://schemas.openxmlformats.org/drawingml/2006/main" xmlns:r="http://schemas.openxmlformats.org/officeDocument/2006/relationships" xmlns:p="http://schemas.openxmlformats.org/presentationml/2006/main">
-  <p:cSld>
-    <p:spTree>
-      <p:nvGrpSpPr>
-        <p:cNvPr id="1" name=""/>
-        <p:cNvGrpSpPr/>
-        <p:nvPr/>
-      </p:nvGrpSpPr>
-      <p:grpSpPr>
-        <a:xfrm>
-          <a:off x="0" y="0"/>
-          <a:ext cx="0" cy="0"/>
-          <a:chOff x="0" y="0"/>
-          <a:chExt cx="0" cy="0"/>
-        </a:xfrm>
-      </p:grpSpPr>
-      <p:sp>
-        <p:nvSpPr>
-          <p:cNvPr id="2" name="Titre 1"/>
-          <p:cNvSpPr>
-            <a:spLocks noGrp="1"/>
-          </p:cNvSpPr>
-          <p:nvPr>
-            <p:ph type="title"/>
-          </p:nvPr>
-        </p:nvSpPr>
-        <p:spPr/>
-        <p:txBody>
-          <a:bodyPr/>
-          <a:lstStyle/>
-          <a:p>
-            <a:r>
-              <a:rPr lang="fr-FR" dirty="0" smtClean="0"/>
-              <a:t>GPU</a:t>
-            </a:r>
-            <a:endParaRPr lang="fr-FR" dirty="0"/>
-          </a:p>
-        </p:txBody>
-      </p:sp>
-      <p:sp>
-        <p:nvSpPr>
-          <p:cNvPr id="3" name="Espace réservé du contenu 2"/>
-          <p:cNvSpPr>
-            <a:spLocks noGrp="1"/>
-          </p:cNvSpPr>
-          <p:nvPr>
-            <p:ph idx="1"/>
-          </p:nvPr>
-        </p:nvSpPr>
-        <p:spPr/>
-        <p:txBody>
-          <a:bodyPr/>
-          <a:lstStyle/>
-          <a:p>
-            <a:r>
-              <a:rPr lang="fr-FR" dirty="0"/>
-              <a:t>GPU</a:t>
-            </a:r>
-          </a:p>
-          <a:p>
-            <a:pPr lvl="1"/>
-            <a:r>
-              <a:rPr lang="fr-FR" dirty="0" err="1" smtClean="0"/>
-              <a:t>pip</a:t>
-            </a:r>
-            <a:r>
-              <a:rPr lang="fr-FR" dirty="0" smtClean="0"/>
-              <a:t> </a:t>
-            </a:r>
-            <a:r>
-              <a:rPr lang="fr-FR" dirty="0" err="1" smtClean="0"/>
-              <a:t>install</a:t>
-            </a:r>
-            <a:r>
-              <a:rPr lang="fr-FR" dirty="0" smtClean="0"/>
-              <a:t> </a:t>
-            </a:r>
-            <a:r>
-              <a:rPr lang="fr-FR" dirty="0" err="1" smtClean="0"/>
-              <a:t>tensorflow</a:t>
-            </a:r>
-            <a:endParaRPr lang="fr-FR" dirty="0" smtClean="0"/>
-          </a:p>
-          <a:p>
-            <a:r>
-              <a:rPr lang="fr-FR" dirty="0" smtClean="0"/>
-              <a:t>Nécessite une (des) carte(s) graphiques </a:t>
-            </a:r>
-            <a:r>
-              <a:rPr lang="fr-FR" dirty="0" err="1" smtClean="0"/>
-              <a:t>NVidia</a:t>
-            </a:r>
-            <a:endParaRPr lang="fr-FR" dirty="0" smtClean="0"/>
-          </a:p>
-          <a:p>
-            <a:pPr lvl="1"/>
-            <a:r>
-              <a:rPr lang="fr-FR" dirty="0" smtClean="0"/>
-              <a:t>Compatible CUDA</a:t>
-            </a:r>
-          </a:p>
-          <a:p>
-            <a:r>
-              <a:rPr lang="fr-FR" dirty="0" smtClean="0"/>
-              <a:t>Prérequis</a:t>
-            </a:r>
-          </a:p>
-          <a:p>
-            <a:pPr lvl="1"/>
-            <a:r>
-              <a:rPr lang="fr-FR" dirty="0" smtClean="0"/>
-              <a:t>CUDA 10.1</a:t>
-            </a:r>
-          </a:p>
-          <a:p>
-            <a:pPr lvl="1"/>
-            <a:r>
-              <a:rPr lang="fr-FR" dirty="0" err="1" smtClean="0"/>
-              <a:t>CuDNN</a:t>
-            </a:r>
-            <a:endParaRPr lang="fr-FR" dirty="0" smtClean="0"/>
-          </a:p>
-        </p:txBody>
-      </p:sp>
-    </p:spTree>
-    <p:extLst>
-      <p:ext uri="{BB962C8B-B14F-4D97-AF65-F5344CB8AC3E}">
-        <p14:creationId xmlns:p14="http://schemas.microsoft.com/office/powerpoint/2010/main" val="3432987549"/>
-      </p:ext>
-    </p:extLst>
-  </p:cSld>
-  <p:clrMapOvr>
-    <a:masterClrMapping/>
-  </p:clrMapOvr>
-  <p:timing>
-    <p:tnLst>
-      <p:par>
-        <p:cTn id="1" dur="indefinite" restart="never" nodeType="tmRoot"/>
-      </p:par>
-    </p:tnLst>
-  </p:timing>
-</p:sld>
-</file>
-
-<file path=ppt/slides/slide6.xml><?xml version="1.0" encoding="utf-8"?>
-<p:sld xmlns:a="http://schemas.openxmlformats.org/drawingml/2006/main" xmlns:r="http://schemas.openxmlformats.org/officeDocument/2006/relationships" xmlns:p="http://schemas.openxmlformats.org/presentationml/2006/main">
-  <p:cSld>
-    <p:spTree>
-      <p:nvGrpSpPr>
-        <p:cNvPr id="1" name=""/>
-        <p:cNvGrpSpPr/>
-        <p:nvPr/>
-      </p:nvGrpSpPr>
-      <p:grpSpPr>
-        <a:xfrm>
-          <a:off x="0" y="0"/>
-          <a:ext cx="0" cy="0"/>
-          <a:chOff x="0" y="0"/>
-          <a:chExt cx="0" cy="0"/>
-        </a:xfrm>
-      </p:grpSpPr>
-      <p:sp>
-        <p:nvSpPr>
-          <p:cNvPr id="2" name="Titre 1"/>
-          <p:cNvSpPr>
-            <a:spLocks noGrp="1"/>
-          </p:cNvSpPr>
-          <p:nvPr>
-            <p:ph type="title"/>
-          </p:nvPr>
-        </p:nvSpPr>
-        <p:spPr/>
-        <p:txBody>
-          <a:bodyPr/>
-          <a:lstStyle/>
-          <a:p>
-            <a:r>
-              <a:rPr lang="fr-FR" dirty="0" smtClean="0"/>
-              <a:t>CUDA</a:t>
-            </a:r>
-            <a:endParaRPr lang="fr-FR" dirty="0"/>
-          </a:p>
-        </p:txBody>
-      </p:sp>
-      <p:sp>
-        <p:nvSpPr>
-          <p:cNvPr id="3" name="Espace réservé du contenu 2"/>
-          <p:cNvSpPr>
-            <a:spLocks noGrp="1"/>
-          </p:cNvSpPr>
-          <p:nvPr>
-            <p:ph idx="1"/>
-          </p:nvPr>
-        </p:nvSpPr>
-        <p:spPr/>
-        <p:txBody>
-          <a:bodyPr/>
-          <a:lstStyle/>
-          <a:p>
-            <a:r>
-              <a:rPr lang="fr-FR" dirty="0" smtClean="0"/>
-              <a:t>API et Architecture </a:t>
-            </a:r>
-            <a:r>
-              <a:rPr lang="fr-FR" dirty="0" err="1" smtClean="0"/>
-              <a:t>NVidia</a:t>
-            </a:r>
-            <a:r>
-              <a:rPr lang="fr-FR" dirty="0" smtClean="0"/>
-              <a:t> de traitement parallèle de GPU</a:t>
-            </a:r>
-          </a:p>
-          <a:p>
-            <a:r>
-              <a:rPr lang="fr-FR" dirty="0" smtClean="0"/>
-              <a:t>Obligatoire </a:t>
-            </a:r>
-            <a:r>
-              <a:rPr lang="fr-FR" dirty="0"/>
-              <a:t>p</a:t>
-            </a:r>
-            <a:r>
-              <a:rPr lang="fr-FR" dirty="0" smtClean="0"/>
-              <a:t>our </a:t>
-            </a:r>
-            <a:r>
-              <a:rPr lang="fr-FR" dirty="0" err="1" smtClean="0"/>
-              <a:t>TensorFlow</a:t>
-            </a:r>
-            <a:r>
-              <a:rPr lang="fr-FR" dirty="0" smtClean="0"/>
-              <a:t> GPU</a:t>
-            </a:r>
-          </a:p>
-          <a:p>
-            <a:pPr lvl="1"/>
-            <a:r>
-              <a:rPr lang="fr-FR" dirty="0" smtClean="0"/>
-              <a:t>Uniquement pour cartes graphiques haut de gamme</a:t>
-            </a:r>
-          </a:p>
-          <a:p>
-            <a:pPr lvl="1"/>
-            <a:r>
-              <a:rPr lang="fr-FR" dirty="0" smtClean="0"/>
-              <a:t>Compatible cartes </a:t>
-            </a:r>
-            <a:r>
-              <a:rPr lang="fr-FR" dirty="0" err="1" smtClean="0"/>
-              <a:t>mutliples</a:t>
-            </a:r>
-            <a:endParaRPr lang="fr-FR" dirty="0" smtClean="0"/>
-          </a:p>
-          <a:p>
-            <a:pPr lvl="1"/>
-            <a:r>
-              <a:rPr lang="fr-FR" dirty="0" smtClean="0"/>
-              <a:t>Compatible TPU et ferme de GPU</a:t>
-            </a:r>
-          </a:p>
-          <a:p>
-            <a:r>
-              <a:rPr lang="fr-FR" dirty="0" smtClean="0"/>
-              <a:t>CUDA </a:t>
-            </a:r>
-            <a:r>
-              <a:rPr lang="fr-FR" dirty="0" err="1" smtClean="0"/>
-              <a:t>Toolkit</a:t>
-            </a:r>
-            <a:endParaRPr lang="fr-FR" dirty="0" smtClean="0"/>
-          </a:p>
-          <a:p>
-            <a:pPr lvl="1"/>
-            <a:r>
-              <a:rPr lang="fr-FR" dirty="0" err="1"/>
-              <a:t>Toolkit</a:t>
-            </a:r>
-            <a:r>
-              <a:rPr lang="fr-FR" dirty="0"/>
-              <a:t> de programmation parallèle sur GPU</a:t>
-            </a:r>
-          </a:p>
-          <a:p>
-            <a:pPr lvl="1"/>
-            <a:r>
-              <a:rPr lang="fr-FR" dirty="0"/>
-              <a:t>CUPTI : Outil de </a:t>
-            </a:r>
-            <a:r>
-              <a:rPr lang="fr-FR" dirty="0" err="1"/>
-              <a:t>debugging</a:t>
-            </a:r>
-            <a:r>
-              <a:rPr lang="fr-FR" dirty="0"/>
-              <a:t> et </a:t>
-            </a:r>
-            <a:r>
-              <a:rPr lang="fr-FR" dirty="0" err="1"/>
-              <a:t>tracage</a:t>
-            </a:r>
-            <a:r>
-              <a:rPr lang="fr-FR" dirty="0"/>
-              <a:t> de </a:t>
-            </a:r>
-            <a:r>
-              <a:rPr lang="fr-FR" dirty="0" smtClean="0"/>
-              <a:t>GPU</a:t>
-            </a:r>
-          </a:p>
-          <a:p>
-            <a:r>
-              <a:rPr lang="fr-FR" dirty="0" err="1" smtClean="0"/>
-              <a:t>NVidia</a:t>
-            </a:r>
-            <a:r>
-              <a:rPr lang="fr-FR" dirty="0" smtClean="0"/>
-              <a:t> </a:t>
-            </a:r>
-            <a:r>
-              <a:rPr lang="fr-FR" dirty="0" err="1" smtClean="0"/>
-              <a:t>Deep</a:t>
-            </a:r>
-            <a:r>
-              <a:rPr lang="fr-FR" dirty="0" smtClean="0"/>
-              <a:t> Learning SDK est basé sur CUDA</a:t>
-            </a:r>
-          </a:p>
-          <a:p>
-            <a:pPr lvl="1"/>
-            <a:endParaRPr lang="fr-FR" dirty="0"/>
-          </a:p>
-        </p:txBody>
-      </p:sp>
-    </p:spTree>
-    <p:extLst>
-      <p:ext uri="{BB962C8B-B14F-4D97-AF65-F5344CB8AC3E}">
-        <p14:creationId xmlns:p14="http://schemas.microsoft.com/office/powerpoint/2010/main" val="540292332"/>
-      </p:ext>
-    </p:extLst>
-  </p:cSld>
-  <p:clrMapOvr>
-    <a:masterClrMapping/>
-  </p:clrMapOvr>
-  <p:timing>
-    <p:tnLst>
-      <p:par>
-        <p:cTn id="1" dur="indefinite" restart="never" nodeType="tmRoot"/>
-      </p:par>
-    </p:tnLst>
-  </p:timing>
-</p:sld>
-</file>
-
-<file path=ppt/slides/slide7.xml><?xml version="1.0" encoding="utf-8"?>
-<p:sld xmlns:a="http://schemas.openxmlformats.org/drawingml/2006/main" xmlns:r="http://schemas.openxmlformats.org/officeDocument/2006/relationships" xmlns:p="http://schemas.openxmlformats.org/presentationml/2006/main">
-  <p:cSld>
-    <p:spTree>
-      <p:nvGrpSpPr>
-        <p:cNvPr id="1" name=""/>
-        <p:cNvGrpSpPr/>
-        <p:nvPr/>
-      </p:nvGrpSpPr>
-      <p:grpSpPr>
-        <a:xfrm>
-          <a:off x="0" y="0"/>
-          <a:ext cx="0" cy="0"/>
-          <a:chOff x="0" y="0"/>
-          <a:chExt cx="0" cy="0"/>
-        </a:xfrm>
-      </p:grpSpPr>
-      <p:sp>
-        <p:nvSpPr>
-          <p:cNvPr id="2" name="Titre 1"/>
-          <p:cNvSpPr>
-            <a:spLocks noGrp="1"/>
-          </p:cNvSpPr>
-          <p:nvPr>
-            <p:ph type="title"/>
-          </p:nvPr>
-        </p:nvSpPr>
-        <p:spPr/>
-        <p:txBody>
-          <a:bodyPr/>
-          <a:lstStyle/>
-          <a:p>
-            <a:r>
-              <a:rPr lang="fr-FR" dirty="0" err="1" smtClean="0"/>
-              <a:t>NVidia</a:t>
-            </a:r>
-            <a:r>
-              <a:rPr lang="fr-FR" dirty="0" smtClean="0"/>
-              <a:t> </a:t>
-            </a:r>
-            <a:r>
-              <a:rPr lang="fr-FR" dirty="0" err="1" smtClean="0"/>
-              <a:t>Deep</a:t>
-            </a:r>
-            <a:r>
-              <a:rPr lang="fr-FR" dirty="0" smtClean="0"/>
-              <a:t> Learning SDK</a:t>
-            </a:r>
-            <a:endParaRPr lang="fr-FR" dirty="0"/>
-          </a:p>
-        </p:txBody>
-      </p:sp>
-      <p:sp>
-        <p:nvSpPr>
-          <p:cNvPr id="3" name="Espace réservé du contenu 2"/>
-          <p:cNvSpPr>
-            <a:spLocks noGrp="1"/>
-          </p:cNvSpPr>
-          <p:nvPr>
-            <p:ph idx="1"/>
-          </p:nvPr>
-        </p:nvSpPr>
-        <p:spPr/>
-        <p:txBody>
-          <a:bodyPr/>
-          <a:lstStyle/>
-          <a:p>
-            <a:r>
-              <a:rPr lang="fr-FR" dirty="0" smtClean="0"/>
-              <a:t>Compatible </a:t>
-            </a:r>
-            <a:r>
-              <a:rPr lang="fr-FR" dirty="0" err="1" smtClean="0"/>
-              <a:t>TensorFLow</a:t>
-            </a:r>
-            <a:r>
-              <a:rPr lang="fr-FR" dirty="0" smtClean="0"/>
-              <a:t> mais pas que</a:t>
-            </a:r>
-          </a:p>
-          <a:p>
-            <a:endParaRPr lang="fr-FR" dirty="0"/>
-          </a:p>
-          <a:p>
-            <a:endParaRPr lang="fr-FR" dirty="0" smtClean="0"/>
-          </a:p>
-          <a:p>
-            <a:endParaRPr lang="fr-FR" dirty="0"/>
-          </a:p>
-          <a:p>
-            <a:endParaRPr lang="fr-FR" dirty="0" smtClean="0"/>
-          </a:p>
-          <a:p>
-            <a:pPr lvl="1"/>
-            <a:r>
-              <a:rPr lang="fr-FR" dirty="0" err="1" smtClean="0"/>
-              <a:t>cuDNN</a:t>
-            </a:r>
-            <a:r>
-              <a:rPr lang="fr-FR" dirty="0" smtClean="0"/>
-              <a:t> : Noyau du SDK pour le </a:t>
-            </a:r>
-            <a:r>
-              <a:rPr lang="fr-FR" dirty="0" err="1" smtClean="0"/>
-              <a:t>deep</a:t>
-            </a:r>
-            <a:r>
-              <a:rPr lang="fr-FR" dirty="0" smtClean="0"/>
-              <a:t> </a:t>
-            </a:r>
-            <a:r>
-              <a:rPr lang="fr-FR" dirty="0" err="1" smtClean="0"/>
-              <a:t>learning</a:t>
-            </a:r>
-            <a:endParaRPr lang="fr-FR" dirty="0" smtClean="0"/>
-          </a:p>
-          <a:p>
-            <a:pPr lvl="1"/>
-            <a:r>
-              <a:rPr lang="fr-FR" dirty="0" err="1" smtClean="0"/>
-              <a:t>tensorRT</a:t>
-            </a:r>
-            <a:r>
-              <a:rPr lang="fr-FR" dirty="0" smtClean="0"/>
-              <a:t> : API spécialisée </a:t>
-            </a:r>
-            <a:r>
-              <a:rPr lang="fr-FR" dirty="0" err="1" smtClean="0"/>
-              <a:t>TensorFlow</a:t>
-            </a:r>
-            <a:r>
-              <a:rPr lang="fr-FR" dirty="0" smtClean="0"/>
-              <a:t> pour les perfs</a:t>
-            </a:r>
-          </a:p>
-          <a:p>
-            <a:pPr lvl="1"/>
-            <a:r>
-              <a:rPr lang="fr-FR" dirty="0" smtClean="0"/>
-              <a:t>NCCL : Multiple GPU</a:t>
-            </a:r>
-          </a:p>
-          <a:p>
-            <a:endParaRPr lang="fr-FR" dirty="0"/>
-          </a:p>
-          <a:p>
-            <a:endParaRPr lang="fr-FR" dirty="0" smtClean="0"/>
-          </a:p>
-          <a:p>
-            <a:endParaRPr lang="fr-FR" dirty="0"/>
-          </a:p>
-          <a:p>
-            <a:endParaRPr lang="fr-FR" dirty="0"/>
-          </a:p>
-        </p:txBody>
-      </p:sp>
-      <p:pic>
-        <p:nvPicPr>
-          <p:cNvPr id="4" name="Image 3"/>
-          <p:cNvPicPr>
-            <a:picLocks noChangeAspect="1"/>
-          </p:cNvPicPr>
-          <p:nvPr/>
-        </p:nvPicPr>
-        <p:blipFill>
-          <a:blip r:embed="rId2"/>
-          <a:stretch>
-            <a:fillRect/>
-          </a:stretch>
-        </p:blipFill>
-        <p:spPr>
-          <a:xfrm>
-            <a:off x="0" y="1922510"/>
-            <a:ext cx="9144000" cy="2043668"/>
-          </a:xfrm>
-          <a:prstGeom prst="rect">
-            <a:avLst/>
-          </a:prstGeom>
-        </p:spPr>
-      </p:pic>
-      <p:pic>
-        <p:nvPicPr>
-          <p:cNvPr id="5" name="Image 4"/>
-          <p:cNvPicPr>
-            <a:picLocks noChangeAspect="1"/>
-          </p:cNvPicPr>
-          <p:nvPr/>
-        </p:nvPicPr>
-        <p:blipFill>
-          <a:blip r:embed="rId3"/>
-          <a:stretch>
-            <a:fillRect/>
-          </a:stretch>
-        </p:blipFill>
-        <p:spPr>
-          <a:xfrm>
-            <a:off x="16899" y="5405832"/>
-            <a:ext cx="9144000" cy="1047504"/>
-          </a:xfrm>
-          <a:prstGeom prst="rect">
-            <a:avLst/>
-          </a:prstGeom>
-        </p:spPr>
-      </p:pic>
-    </p:spTree>
-    <p:extLst>
-      <p:ext uri="{BB962C8B-B14F-4D97-AF65-F5344CB8AC3E}">
-        <p14:creationId xmlns:p14="http://schemas.microsoft.com/office/powerpoint/2010/main" val="2757753632"/>
-      </p:ext>
-    </p:extLst>
-  </p:cSld>
-  <p:clrMapOvr>
-    <a:masterClrMapping/>
-  </p:clrMapOvr>
-  <p:timing>
-    <p:tnLst>
-      <p:par>
-        <p:cTn id="1" dur="indefinite" restart="never" nodeType="tmRoot"/>
-      </p:par>
-    </p:tnLst>
-  </p:timing>
-</p:sld>
-</file>
-
-<file path=ppt/slides/slide8.xml><?xml version="1.0" encoding="utf-8"?>
-<p:sld xmlns:a="http://schemas.openxmlformats.org/drawingml/2006/main" xmlns:r="http://schemas.openxmlformats.org/officeDocument/2006/relationships" xmlns:p="http://schemas.openxmlformats.org/presentationml/2006/main">
-  <p:cSld>
-    <p:spTree>
-      <p:nvGrpSpPr>
-        <p:cNvPr id="1" name=""/>
-        <p:cNvGrpSpPr/>
-        <p:nvPr/>
-      </p:nvGrpSpPr>
-      <p:grpSpPr>
-        <a:xfrm>
-          <a:off x="0" y="0"/>
-          <a:ext cx="0" cy="0"/>
-          <a:chOff x="0" y="0"/>
-          <a:chExt cx="0" cy="0"/>
-        </a:xfrm>
-      </p:grpSpPr>
-      <p:sp>
-        <p:nvSpPr>
-          <p:cNvPr id="2" name="Titre 1"/>
-          <p:cNvSpPr>
-            <a:spLocks noGrp="1"/>
-          </p:cNvSpPr>
-          <p:nvPr>
-            <p:ph type="title"/>
-          </p:nvPr>
-        </p:nvSpPr>
-        <p:spPr/>
-        <p:txBody>
-          <a:bodyPr/>
-          <a:lstStyle/>
-          <a:p>
-            <a:r>
-              <a:rPr lang="fr-FR" dirty="0" smtClean="0"/>
-              <a:t>Complexité</a:t>
-            </a:r>
-            <a:endParaRPr lang="fr-FR" dirty="0"/>
-          </a:p>
-        </p:txBody>
-      </p:sp>
-      <p:sp>
-        <p:nvSpPr>
-          <p:cNvPr id="3" name="Espace réservé du contenu 2"/>
-          <p:cNvSpPr>
-            <a:spLocks noGrp="1"/>
-          </p:cNvSpPr>
-          <p:nvPr>
-            <p:ph idx="1"/>
-          </p:nvPr>
-        </p:nvSpPr>
-        <p:spPr/>
-        <p:txBody>
-          <a:bodyPr/>
-          <a:lstStyle/>
-          <a:p>
-            <a:r>
-              <a:rPr lang="fr-FR" dirty="0" smtClean="0"/>
-              <a:t>L'API </a:t>
-            </a:r>
-            <a:r>
-              <a:rPr lang="fr-FR" dirty="0" err="1" smtClean="0"/>
-              <a:t>TensorFlow</a:t>
-            </a:r>
-            <a:r>
-              <a:rPr lang="fr-FR" dirty="0" smtClean="0"/>
-              <a:t> dérive de </a:t>
-            </a:r>
-            <a:r>
-              <a:rPr lang="fr-FR" dirty="0" err="1" smtClean="0"/>
-              <a:t>DistBelief</a:t>
-            </a:r>
-            <a:r>
-              <a:rPr lang="fr-FR" dirty="0" smtClean="0"/>
-              <a:t> de Google Brain créée en 2011</a:t>
-            </a:r>
-          </a:p>
-          <a:p>
-            <a:pPr lvl="1"/>
-            <a:r>
-              <a:rPr lang="fr-FR" dirty="0" smtClean="0"/>
-              <a:t>L'API est ancienne</a:t>
-            </a:r>
-          </a:p>
-          <a:p>
-            <a:pPr lvl="1"/>
-            <a:r>
-              <a:rPr lang="fr-FR" dirty="0" smtClean="0"/>
-              <a:t>L'API est parfois un peu complexe à lire</a:t>
-            </a:r>
-          </a:p>
-          <a:p>
-            <a:pPr lvl="1"/>
-            <a:r>
-              <a:rPr lang="fr-FR" dirty="0" smtClean="0"/>
-              <a:t>L'API est parfois beaucoup plus complexe que </a:t>
-            </a:r>
-            <a:r>
-              <a:rPr lang="fr-FR" dirty="0" err="1" smtClean="0"/>
-              <a:t>SKLearn</a:t>
-            </a:r>
-            <a:endParaRPr lang="fr-FR" dirty="0" smtClean="0"/>
-          </a:p>
-          <a:p>
-            <a:pPr lvl="1"/>
-            <a:r>
-              <a:rPr lang="fr-FR" dirty="0" smtClean="0"/>
-              <a:t>Il peut être difficile de créer un réseau de neurones sur mesure</a:t>
-            </a:r>
-          </a:p>
-          <a:p>
-            <a:pPr lvl="1"/>
-            <a:r>
-              <a:rPr lang="fr-FR" dirty="0" smtClean="0"/>
-              <a:t>L'API n'est pas compatible avec d'autre implémentation de réseaux neuronaux comme </a:t>
-            </a:r>
-            <a:r>
-              <a:rPr lang="fr-FR" dirty="0" err="1" smtClean="0"/>
-              <a:t>PyTorch</a:t>
-            </a:r>
-            <a:endParaRPr lang="fr-FR" dirty="0" smtClean="0"/>
-          </a:p>
-          <a:p>
-            <a:endParaRPr lang="fr-FR" dirty="0" smtClean="0"/>
-          </a:p>
-          <a:p>
-            <a:pPr lvl="1"/>
-            <a:endParaRPr lang="fr-FR" dirty="0"/>
-          </a:p>
-        </p:txBody>
-      </p:sp>
-    </p:spTree>
-    <p:extLst>
-      <p:ext uri="{BB962C8B-B14F-4D97-AF65-F5344CB8AC3E}">
-        <p14:creationId xmlns:p14="http://schemas.microsoft.com/office/powerpoint/2010/main" val="4026457458"/>
-      </p:ext>
-    </p:extLst>
-  </p:cSld>
-  <p:clrMapOvr>
-    <a:masterClrMapping/>
-  </p:clrMapOvr>
-  <p:timing>
-    <p:tnLst>
-      <p:par>
-        <p:cTn id="1" dur="indefinite" restart="never" nodeType="tmRoot"/>
-      </p:par>
-    </p:tnLst>
-  </p:timing>
-</p:sld>
-</file>
-
-<file path=ppt/slides/slide9.xml><?xml version="1.0" encoding="utf-8"?>
-<p:sld xmlns:a="http://schemas.openxmlformats.org/drawingml/2006/main" xmlns:r="http://schemas.openxmlformats.org/officeDocument/2006/relationships" xmlns:p="http://schemas.openxmlformats.org/presentationml/2006/main">
-  <p:cSld>
-    <p:spTree>
-      <p:nvGrpSpPr>
-        <p:cNvPr id="1" name=""/>
-        <p:cNvGrpSpPr/>
-        <p:nvPr/>
-      </p:nvGrpSpPr>
-      <p:grpSpPr>
-        <a:xfrm>
-          <a:off x="0" y="0"/>
-          <a:ext cx="0" cy="0"/>
-          <a:chOff x="0" y="0"/>
-          <a:chExt cx="0" cy="0"/>
-        </a:xfrm>
-      </p:grpSpPr>
-      <p:sp>
-        <p:nvSpPr>
-          <p:cNvPr id="2" name="Titre 1"/>
-          <p:cNvSpPr>
-            <a:spLocks noGrp="1"/>
-          </p:cNvSpPr>
-          <p:nvPr>
-            <p:ph type="title"/>
-          </p:nvPr>
-        </p:nvSpPr>
-        <p:spPr/>
-        <p:txBody>
-          <a:bodyPr/>
-          <a:lstStyle/>
-          <a:p>
-            <a:r>
-              <a:rPr lang="fr-FR" dirty="0" smtClean="0"/>
-              <a:t>Programmer </a:t>
-            </a:r>
-            <a:r>
-              <a:rPr lang="fr-FR" dirty="0" err="1" smtClean="0"/>
-              <a:t>TensorFlow</a:t>
-            </a:r>
-            <a:endParaRPr lang="fr-FR" dirty="0"/>
-          </a:p>
-        </p:txBody>
-      </p:sp>
-      <p:pic>
-        <p:nvPicPr>
-          <p:cNvPr id="2050" name="Picture 2" descr="https://www.tensorflow.org/images/tensorflow_programming_environment.png"/>
-          <p:cNvPicPr>
-            <a:picLocks noChangeAspect="1" noChangeArrowheads="1"/>
-          </p:cNvPicPr>
-          <p:nvPr/>
-        </p:nvPicPr>
-        <p:blipFill>
-          <a:blip r:embed="rId2">
-            <a:extLst>
-              <a:ext uri="{28A0092B-C50C-407E-A947-70E740481C1C}">
-                <a14:useLocalDpi xmlns:a14="http://schemas.microsoft.com/office/drawing/2010/main" val="0"/>
-              </a:ext>
-            </a:extLst>
-          </a:blip>
-          <a:srcRect/>
-          <a:stretch>
-            <a:fillRect/>
-          </a:stretch>
-        </p:blipFill>
-        <p:spPr bwMode="auto">
-          <a:xfrm>
-            <a:off x="433331" y="1628800"/>
-            <a:ext cx="8712616" cy="3816424"/>
-          </a:xfrm>
-          <a:prstGeom prst="rect">
-            <a:avLst/>
-          </a:prstGeom>
-          <a:noFill/>
-          <a:extLst>
-            <a:ext uri="{909E8E84-426E-40DD-AFC4-6F175D3DCCD1}">
-              <a14:hiddenFill xmlns:a14="http://schemas.microsoft.com/office/drawing/2010/main">
-                <a:solidFill>
-                  <a:srgbClr val="FFFFFF"/>
-                </a:solidFill>
-              </a14:hiddenFill>
-            </a:ext>
-          </a:extLst>
-        </p:spPr>
-      </p:pic>
-    </p:spTree>
-    <p:extLst>
-      <p:ext uri="{BB962C8B-B14F-4D97-AF65-F5344CB8AC3E}">
-        <p14:creationId xmlns:p14="http://schemas.microsoft.com/office/powerpoint/2010/main" val="3472743317"/>
       </p:ext>
     </p:extLst>
   </p:cSld>
